--- a/2021-22/PrimerSemestre/Visualizacion/MalaPractica.pptx
+++ b/2021-22/PrimerSemestre/Visualizacion/MalaPractica.pptx
@@ -6,6 +6,16 @@
   </p:sldMasterIdLst>
   <p:sldIdLst>
     <p:sldId id="256" r:id="rId2"/>
+    <p:sldId id="257" r:id="rId3"/>
+    <p:sldId id="258" r:id="rId4"/>
+    <p:sldId id="259" r:id="rId5"/>
+    <p:sldId id="260" r:id="rId6"/>
+    <p:sldId id="261" r:id="rId7"/>
+    <p:sldId id="262" r:id="rId8"/>
+    <p:sldId id="263" r:id="rId9"/>
+    <p:sldId id="264" r:id="rId10"/>
+    <p:sldId id="265" r:id="rId11"/>
+    <p:sldId id="278" r:id="rId12"/>
   </p:sldIdLst>
   <p:sldSz cx="12192000" cy="6858000"/>
   <p:notesSz cx="6858000" cy="9144000"/>
@@ -3915,6 +3925,1376 @@
 </p:sld>
 </file>
 
+<file path=ppt/slides/slide10.xml><?xml version="1.0" encoding="utf-8"?>
+<p:sld xmlns:a="http://schemas.openxmlformats.org/drawingml/2006/main" xmlns:r="http://schemas.openxmlformats.org/officeDocument/2006/relationships" xmlns:p="http://schemas.openxmlformats.org/presentationml/2006/main">
+  <p:cSld>
+    <p:spTree>
+      <p:nvGrpSpPr>
+        <p:cNvPr id="1" name=""/>
+        <p:cNvGrpSpPr/>
+        <p:nvPr/>
+      </p:nvGrpSpPr>
+      <p:grpSpPr>
+        <a:xfrm>
+          <a:off x="0" y="0"/>
+          <a:ext cx="0" cy="0"/>
+          <a:chOff x="0" y="0"/>
+          <a:chExt cx="0" cy="0"/>
+        </a:xfrm>
+      </p:grpSpPr>
+      <p:sp>
+        <p:nvSpPr>
+          <p:cNvPr id="2" name="Título 1">
+            <a:extLst>
+              <a:ext uri="{FF2B5EF4-FFF2-40B4-BE49-F238E27FC236}">
+                <a16:creationId xmlns:a16="http://schemas.microsoft.com/office/drawing/2014/main" id="{E271D9D6-A82F-4AE7-BF52-FC0D59F4EBDD}"/>
+              </a:ext>
+            </a:extLst>
+          </p:cNvPr>
+          <p:cNvSpPr>
+            <a:spLocks noGrp="1"/>
+          </p:cNvSpPr>
+          <p:nvPr>
+            <p:ph type="title"/>
+          </p:nvPr>
+        </p:nvSpPr>
+        <p:spPr>
+          <a:xfrm>
+            <a:off x="1371600" y="685800"/>
+            <a:ext cx="9601200" cy="634117"/>
+          </a:xfrm>
+        </p:spPr>
+        <p:txBody>
+          <a:bodyPr>
+            <a:normAutofit fontScale="90000"/>
+          </a:bodyPr>
+          <a:lstStyle/>
+          <a:p>
+            <a:r>
+              <a:rPr lang="es-ES" dirty="0"/>
+              <a:t>Rediseño – Antes vs Ahora</a:t>
+            </a:r>
+          </a:p>
+        </p:txBody>
+      </p:sp>
+      <p:pic>
+        <p:nvPicPr>
+          <p:cNvPr id="5" name="Marcador de contenido 4">
+            <a:extLst>
+              <a:ext uri="{FF2B5EF4-FFF2-40B4-BE49-F238E27FC236}">
+                <a16:creationId xmlns:a16="http://schemas.microsoft.com/office/drawing/2014/main" id="{B89CE92A-8B94-4FC0-A11E-96C9DD5DD816}"/>
+              </a:ext>
+            </a:extLst>
+          </p:cNvPr>
+          <p:cNvPicPr>
+            <a:picLocks noGrp="1" noChangeAspect="1"/>
+          </p:cNvPicPr>
+          <p:nvPr>
+            <p:ph idx="1"/>
+          </p:nvPr>
+        </p:nvPicPr>
+        <p:blipFill>
+          <a:blip r:embed="rId2"/>
+          <a:stretch>
+            <a:fillRect/>
+          </a:stretch>
+        </p:blipFill>
+        <p:spPr>
+          <a:xfrm>
+            <a:off x="6339434" y="1804243"/>
+            <a:ext cx="5558894" cy="4051965"/>
+          </a:xfrm>
+        </p:spPr>
+      </p:pic>
+      <p:pic>
+        <p:nvPicPr>
+          <p:cNvPr id="6" name="Marcador de contenido 4">
+            <a:extLst>
+              <a:ext uri="{FF2B5EF4-FFF2-40B4-BE49-F238E27FC236}">
+                <a16:creationId xmlns:a16="http://schemas.microsoft.com/office/drawing/2014/main" id="{40201E01-C1E3-41A4-93A8-D3DF70DBDEB3}"/>
+              </a:ext>
+            </a:extLst>
+          </p:cNvPr>
+          <p:cNvPicPr>
+            <a:picLocks noChangeAspect="1"/>
+          </p:cNvPicPr>
+          <p:nvPr/>
+        </p:nvPicPr>
+        <p:blipFill>
+          <a:blip r:embed="rId3"/>
+          <a:stretch>
+            <a:fillRect/>
+          </a:stretch>
+        </p:blipFill>
+        <p:spPr>
+          <a:xfrm>
+            <a:off x="862715" y="2367682"/>
+            <a:ext cx="4989852" cy="2925086"/>
+          </a:xfrm>
+          <a:prstGeom prst="rect">
+            <a:avLst/>
+          </a:prstGeom>
+        </p:spPr>
+      </p:pic>
+    </p:spTree>
+    <p:extLst>
+      <p:ext uri="{BB962C8B-B14F-4D97-AF65-F5344CB8AC3E}">
+        <p14:creationId xmlns:p14="http://schemas.microsoft.com/office/powerpoint/2010/main" val="1948137809"/>
+      </p:ext>
+    </p:extLst>
+  </p:cSld>
+  <p:clrMapOvr>
+    <a:masterClrMapping/>
+  </p:clrMapOvr>
+</p:sld>
+</file>
+
+<file path=ppt/slides/slide11.xml><?xml version="1.0" encoding="utf-8"?>
+<p:sld xmlns:a="http://schemas.openxmlformats.org/drawingml/2006/main" xmlns:r="http://schemas.openxmlformats.org/officeDocument/2006/relationships" xmlns:p="http://schemas.openxmlformats.org/presentationml/2006/main">
+  <p:cSld>
+    <p:spTree>
+      <p:nvGrpSpPr>
+        <p:cNvPr id="1" name=""/>
+        <p:cNvGrpSpPr/>
+        <p:nvPr/>
+      </p:nvGrpSpPr>
+      <p:grpSpPr>
+        <a:xfrm>
+          <a:off x="0" y="0"/>
+          <a:ext cx="0" cy="0"/>
+          <a:chOff x="0" y="0"/>
+          <a:chExt cx="0" cy="0"/>
+        </a:xfrm>
+      </p:grpSpPr>
+      <p:sp>
+        <p:nvSpPr>
+          <p:cNvPr id="2" name="Título 1">
+            <a:extLst>
+              <a:ext uri="{FF2B5EF4-FFF2-40B4-BE49-F238E27FC236}">
+                <a16:creationId xmlns:a16="http://schemas.microsoft.com/office/drawing/2014/main" id="{A31C7DFF-BF8D-4A2E-9BB5-4494628CF2A4}"/>
+              </a:ext>
+            </a:extLst>
+          </p:cNvPr>
+          <p:cNvSpPr>
+            <a:spLocks noGrp="1"/>
+          </p:cNvSpPr>
+          <p:nvPr>
+            <p:ph type="title"/>
+          </p:nvPr>
+        </p:nvSpPr>
+        <p:spPr>
+          <a:xfrm>
+            <a:off x="2046798" y="3072185"/>
+            <a:ext cx="8098403" cy="713630"/>
+          </a:xfrm>
+        </p:spPr>
+        <p:txBody>
+          <a:bodyPr/>
+          <a:lstStyle/>
+          <a:p>
+            <a:pPr algn="ctr"/>
+            <a:r>
+              <a:rPr lang="es-ES" dirty="0"/>
+              <a:t>Muchas gracias por su atención</a:t>
+            </a:r>
+          </a:p>
+        </p:txBody>
+      </p:sp>
+    </p:spTree>
+    <p:extLst>
+      <p:ext uri="{BB962C8B-B14F-4D97-AF65-F5344CB8AC3E}">
+        <p14:creationId xmlns:p14="http://schemas.microsoft.com/office/powerpoint/2010/main" val="3698781363"/>
+      </p:ext>
+    </p:extLst>
+  </p:cSld>
+  <p:clrMapOvr>
+    <a:masterClrMapping/>
+  </p:clrMapOvr>
+</p:sld>
+</file>
+
+<file path=ppt/slides/slide2.xml><?xml version="1.0" encoding="utf-8"?>
+<p:sld xmlns:a="http://schemas.openxmlformats.org/drawingml/2006/main" xmlns:r="http://schemas.openxmlformats.org/officeDocument/2006/relationships" xmlns:p="http://schemas.openxmlformats.org/presentationml/2006/main">
+  <p:cSld>
+    <p:spTree>
+      <p:nvGrpSpPr>
+        <p:cNvPr id="1" name=""/>
+        <p:cNvGrpSpPr/>
+        <p:nvPr/>
+      </p:nvGrpSpPr>
+      <p:grpSpPr>
+        <a:xfrm>
+          <a:off x="0" y="0"/>
+          <a:ext cx="0" cy="0"/>
+          <a:chOff x="0" y="0"/>
+          <a:chExt cx="0" cy="0"/>
+        </a:xfrm>
+      </p:grpSpPr>
+      <p:sp>
+        <p:nvSpPr>
+          <p:cNvPr id="2" name="Título 1">
+            <a:extLst>
+              <a:ext uri="{FF2B5EF4-FFF2-40B4-BE49-F238E27FC236}">
+                <a16:creationId xmlns:a16="http://schemas.microsoft.com/office/drawing/2014/main" id="{B2B2FF84-B8D5-4C62-A9F0-7BF201A3A7F2}"/>
+              </a:ext>
+            </a:extLst>
+          </p:cNvPr>
+          <p:cNvSpPr>
+            <a:spLocks noGrp="1"/>
+          </p:cNvSpPr>
+          <p:nvPr>
+            <p:ph type="title"/>
+          </p:nvPr>
+        </p:nvSpPr>
+        <p:spPr>
+          <a:xfrm>
+            <a:off x="1371600" y="685800"/>
+            <a:ext cx="9601200" cy="713630"/>
+          </a:xfrm>
+        </p:spPr>
+        <p:txBody>
+          <a:bodyPr/>
+          <a:lstStyle/>
+          <a:p>
+            <a:r>
+              <a:rPr lang="es-ES" dirty="0"/>
+              <a:t>Datos sobre la visualización</a:t>
+            </a:r>
+          </a:p>
+        </p:txBody>
+      </p:sp>
+      <p:pic>
+        <p:nvPicPr>
+          <p:cNvPr id="5" name="Marcador de contenido 4">
+            <a:extLst>
+              <a:ext uri="{FF2B5EF4-FFF2-40B4-BE49-F238E27FC236}">
+                <a16:creationId xmlns:a16="http://schemas.microsoft.com/office/drawing/2014/main" id="{D021F7CD-6A2A-4A0E-832E-EF5DA4A72321}"/>
+              </a:ext>
+            </a:extLst>
+          </p:cNvPr>
+          <p:cNvPicPr>
+            <a:picLocks noGrp="1" noChangeAspect="1"/>
+          </p:cNvPicPr>
+          <p:nvPr>
+            <p:ph idx="1"/>
+          </p:nvPr>
+        </p:nvPicPr>
+        <p:blipFill>
+          <a:blip r:embed="rId2"/>
+          <a:stretch>
+            <a:fillRect/>
+          </a:stretch>
+        </p:blipFill>
+        <p:spPr>
+          <a:xfrm>
+            <a:off x="2838770" y="1794799"/>
+            <a:ext cx="6514459" cy="3818821"/>
+          </a:xfrm>
+        </p:spPr>
+      </p:pic>
+      <p:sp>
+        <p:nvSpPr>
+          <p:cNvPr id="7" name="CuadroTexto 6">
+            <a:extLst>
+              <a:ext uri="{FF2B5EF4-FFF2-40B4-BE49-F238E27FC236}">
+                <a16:creationId xmlns:a16="http://schemas.microsoft.com/office/drawing/2014/main" id="{07803EE5-B1EF-4FBE-A0D5-37005DB6F284}"/>
+              </a:ext>
+            </a:extLst>
+          </p:cNvPr>
+          <p:cNvSpPr txBox="1"/>
+          <p:nvPr/>
+        </p:nvSpPr>
+        <p:spPr>
+          <a:xfrm>
+            <a:off x="2737898" y="5578102"/>
+            <a:ext cx="6615331" cy="430887"/>
+          </a:xfrm>
+          <a:prstGeom prst="rect">
+            <a:avLst/>
+          </a:prstGeom>
+          <a:noFill/>
+        </p:spPr>
+        <p:txBody>
+          <a:bodyPr wrap="square">
+            <a:spAutoFit/>
+          </a:bodyPr>
+          <a:lstStyle/>
+          <a:p>
+            <a:r>
+              <a:rPr lang="es-ES" sz="1100" dirty="0"/>
+              <a:t>https://ecoteuve.eleconomista.es/programas/noticias/11381306/09/21/La-desastrosa-grafica-de-Espejo-publico-sobre-la-subida-del-precio-de-la-luz.html</a:t>
+            </a:r>
+          </a:p>
+        </p:txBody>
+      </p:sp>
+    </p:spTree>
+    <p:extLst>
+      <p:ext uri="{BB962C8B-B14F-4D97-AF65-F5344CB8AC3E}">
+        <p14:creationId xmlns:p14="http://schemas.microsoft.com/office/powerpoint/2010/main" val="4175419975"/>
+      </p:ext>
+    </p:extLst>
+  </p:cSld>
+  <p:clrMapOvr>
+    <a:masterClrMapping/>
+  </p:clrMapOvr>
+</p:sld>
+</file>
+
+<file path=ppt/slides/slide3.xml><?xml version="1.0" encoding="utf-8"?>
+<p:sld xmlns:a="http://schemas.openxmlformats.org/drawingml/2006/main" xmlns:r="http://schemas.openxmlformats.org/officeDocument/2006/relationships" xmlns:p="http://schemas.openxmlformats.org/presentationml/2006/main">
+  <p:cSld>
+    <p:spTree>
+      <p:nvGrpSpPr>
+        <p:cNvPr id="1" name=""/>
+        <p:cNvGrpSpPr/>
+        <p:nvPr/>
+      </p:nvGrpSpPr>
+      <p:grpSpPr>
+        <a:xfrm>
+          <a:off x="0" y="0"/>
+          <a:ext cx="0" cy="0"/>
+          <a:chOff x="0" y="0"/>
+          <a:chExt cx="0" cy="0"/>
+        </a:xfrm>
+      </p:grpSpPr>
+      <p:sp>
+        <p:nvSpPr>
+          <p:cNvPr id="2" name="Título 1">
+            <a:extLst>
+              <a:ext uri="{FF2B5EF4-FFF2-40B4-BE49-F238E27FC236}">
+                <a16:creationId xmlns:a16="http://schemas.microsoft.com/office/drawing/2014/main" id="{0A2BFC05-8B72-4976-966C-4406DB5443C7}"/>
+              </a:ext>
+            </a:extLst>
+          </p:cNvPr>
+          <p:cNvSpPr>
+            <a:spLocks noGrp="1"/>
+          </p:cNvSpPr>
+          <p:nvPr>
+            <p:ph type="title"/>
+          </p:nvPr>
+        </p:nvSpPr>
+        <p:spPr>
+          <a:xfrm>
+            <a:off x="1371600" y="685800"/>
+            <a:ext cx="9601200" cy="681824"/>
+          </a:xfrm>
+        </p:spPr>
+        <p:txBody>
+          <a:bodyPr>
+            <a:normAutofit fontScale="90000"/>
+          </a:bodyPr>
+          <a:lstStyle/>
+          <a:p>
+            <a:r>
+              <a:rPr lang="es-ES" dirty="0"/>
+              <a:t>Datos sobre la visualización</a:t>
+            </a:r>
+          </a:p>
+        </p:txBody>
+      </p:sp>
+      <p:sp>
+        <p:nvSpPr>
+          <p:cNvPr id="3" name="Marcador de contenido 2">
+            <a:extLst>
+              <a:ext uri="{FF2B5EF4-FFF2-40B4-BE49-F238E27FC236}">
+                <a16:creationId xmlns:a16="http://schemas.microsoft.com/office/drawing/2014/main" id="{38AC6CAA-E8E0-40DF-B232-BF15ABD42DA4}"/>
+              </a:ext>
+            </a:extLst>
+          </p:cNvPr>
+          <p:cNvSpPr>
+            <a:spLocks noGrp="1"/>
+          </p:cNvSpPr>
+          <p:nvPr>
+            <p:ph idx="1"/>
+          </p:nvPr>
+        </p:nvSpPr>
+        <p:spPr>
+          <a:xfrm>
+            <a:off x="1371600" y="1367624"/>
+            <a:ext cx="9601200" cy="4499776"/>
+          </a:xfrm>
+        </p:spPr>
+        <p:txBody>
+          <a:bodyPr/>
+          <a:lstStyle/>
+          <a:p>
+            <a:r>
+              <a:rPr lang="es-ES" dirty="0"/>
+              <a:t>Esta visualización su </a:t>
+            </a:r>
+            <a:r>
+              <a:rPr lang="es-ES" b="1" dirty="0"/>
+              <a:t>nombre</a:t>
+            </a:r>
+            <a:r>
+              <a:rPr lang="es-ES" dirty="0"/>
+              <a:t> es “</a:t>
+            </a:r>
+            <a:r>
+              <a:rPr lang="es-ES" b="1" dirty="0"/>
+              <a:t>Precio de la luz</a:t>
+            </a:r>
+            <a:r>
+              <a:rPr lang="es-ES" dirty="0"/>
+              <a:t>”, y hace referencia a la evolución del precio de la luz del 31 de agosto del 2021 al 6 de septiembre del 2021.</a:t>
+            </a:r>
+          </a:p>
+          <a:p>
+            <a:r>
+              <a:rPr lang="es-ES" dirty="0"/>
+              <a:t>Fue </a:t>
+            </a:r>
+            <a:r>
+              <a:rPr lang="es-ES" b="1" dirty="0"/>
+              <a:t>usada</a:t>
+            </a:r>
+            <a:r>
+              <a:rPr lang="es-ES" dirty="0"/>
+              <a:t> en el programa “</a:t>
+            </a:r>
+            <a:r>
+              <a:rPr lang="es-ES" b="1" dirty="0"/>
+              <a:t>Espejo público</a:t>
+            </a:r>
+            <a:r>
+              <a:rPr lang="es-ES" dirty="0"/>
+              <a:t>” presentado por Susanna </a:t>
+            </a:r>
+            <a:r>
+              <a:rPr lang="es-ES" dirty="0" err="1"/>
+              <a:t>Griso</a:t>
+            </a:r>
+            <a:r>
+              <a:rPr lang="es-ES" dirty="0"/>
+              <a:t>, dicho programa fue emitido el </a:t>
+            </a:r>
+            <a:r>
+              <a:rPr lang="es-ES" b="1" dirty="0"/>
+              <a:t>6 de septiembre del 2021 </a:t>
+            </a:r>
+            <a:r>
+              <a:rPr lang="es-ES" dirty="0"/>
+              <a:t>en la cadena </a:t>
+            </a:r>
+            <a:r>
+              <a:rPr lang="es-ES" b="1" dirty="0"/>
+              <a:t>Antena3</a:t>
+            </a:r>
+            <a:r>
+              <a:rPr lang="es-ES" dirty="0"/>
+              <a:t>.</a:t>
+            </a:r>
+          </a:p>
+          <a:p>
+            <a:r>
+              <a:rPr lang="es-ES" dirty="0"/>
+              <a:t>La imagen tomada para esta práctica no es un </a:t>
+            </a:r>
+            <a:r>
+              <a:rPr lang="es-ES" i="1" dirty="0" err="1"/>
+              <a:t>screenshot</a:t>
+            </a:r>
+            <a:r>
+              <a:rPr lang="es-ES" dirty="0"/>
+              <a:t> directo del programa, sino que se ha obtenido dicha imagen a partir de una noticia de </a:t>
+            </a:r>
+            <a:r>
+              <a:rPr lang="es-ES" i="1" dirty="0"/>
+              <a:t>ecoteuve.es</a:t>
+            </a:r>
+            <a:r>
+              <a:rPr lang="es-ES" dirty="0"/>
+              <a:t>, cuyo </a:t>
+            </a:r>
+            <a:r>
+              <a:rPr lang="es-ES" b="1" dirty="0"/>
+              <a:t>enlace</a:t>
+            </a:r>
+            <a:r>
+              <a:rPr lang="es-ES" dirty="0"/>
+              <a:t> es el siguiente:</a:t>
+            </a:r>
+          </a:p>
+          <a:p>
+            <a:pPr lvl="1"/>
+            <a:r>
+              <a:rPr lang="es-ES" dirty="0">
+                <a:hlinkClick r:id="rId2"/>
+              </a:rPr>
+              <a:t>https://ecoteuve.eleconomista.es/programas/noticias/11381306/09/21/La-desastrosa-grafica-de-Espejo-publico-sobre-la-subida-del-precio-de-la-luz.html</a:t>
+            </a:r>
+            <a:endParaRPr lang="es-ES" dirty="0"/>
+          </a:p>
+          <a:p>
+            <a:r>
+              <a:rPr lang="es-ES" dirty="0"/>
+              <a:t>Si se quiere acceder al programa hay que registrarse en </a:t>
+            </a:r>
+            <a:r>
+              <a:rPr lang="es-ES" i="1" dirty="0"/>
+              <a:t>Atresmedia </a:t>
+            </a:r>
+            <a:r>
+              <a:rPr lang="es-ES" dirty="0"/>
+              <a:t>y hacerse </a:t>
+            </a:r>
+            <a:r>
+              <a:rPr lang="es-ES" i="1" dirty="0"/>
+              <a:t>premium</a:t>
+            </a:r>
+            <a:r>
+              <a:rPr lang="es-ES" dirty="0"/>
+              <a:t>, ya que de lo contrario no se puede acceder al visionado del mismo.</a:t>
+            </a:r>
+          </a:p>
+        </p:txBody>
+      </p:sp>
+    </p:spTree>
+    <p:extLst>
+      <p:ext uri="{BB962C8B-B14F-4D97-AF65-F5344CB8AC3E}">
+        <p14:creationId xmlns:p14="http://schemas.microsoft.com/office/powerpoint/2010/main" val="1793083178"/>
+      </p:ext>
+    </p:extLst>
+  </p:cSld>
+  <p:clrMapOvr>
+    <a:masterClrMapping/>
+  </p:clrMapOvr>
+</p:sld>
+</file>
+
+<file path=ppt/slides/slide4.xml><?xml version="1.0" encoding="utf-8"?>
+<p:sld xmlns:a="http://schemas.openxmlformats.org/drawingml/2006/main" xmlns:r="http://schemas.openxmlformats.org/officeDocument/2006/relationships" xmlns:p="http://schemas.openxmlformats.org/presentationml/2006/main">
+  <p:cSld>
+    <p:spTree>
+      <p:nvGrpSpPr>
+        <p:cNvPr id="1" name=""/>
+        <p:cNvGrpSpPr/>
+        <p:nvPr/>
+      </p:nvGrpSpPr>
+      <p:grpSpPr>
+        <a:xfrm>
+          <a:off x="0" y="0"/>
+          <a:ext cx="0" cy="0"/>
+          <a:chOff x="0" y="0"/>
+          <a:chExt cx="0" cy="0"/>
+        </a:xfrm>
+      </p:grpSpPr>
+      <p:sp>
+        <p:nvSpPr>
+          <p:cNvPr id="2" name="Título 1">
+            <a:extLst>
+              <a:ext uri="{FF2B5EF4-FFF2-40B4-BE49-F238E27FC236}">
+                <a16:creationId xmlns:a16="http://schemas.microsoft.com/office/drawing/2014/main" id="{CB813774-92F0-4282-A405-2061D6F1EF77}"/>
+              </a:ext>
+            </a:extLst>
+          </p:cNvPr>
+          <p:cNvSpPr>
+            <a:spLocks noGrp="1"/>
+          </p:cNvSpPr>
+          <p:nvPr>
+            <p:ph type="title"/>
+          </p:nvPr>
+        </p:nvSpPr>
+        <p:spPr>
+          <a:xfrm>
+            <a:off x="1371600" y="685800"/>
+            <a:ext cx="9601200" cy="793143"/>
+          </a:xfrm>
+        </p:spPr>
+        <p:txBody>
+          <a:bodyPr/>
+          <a:lstStyle/>
+          <a:p>
+            <a:r>
+              <a:rPr lang="es-ES" dirty="0"/>
+              <a:t>Pregunta que pretende responder</a:t>
+            </a:r>
+          </a:p>
+        </p:txBody>
+      </p:sp>
+      <p:sp>
+        <p:nvSpPr>
+          <p:cNvPr id="3" name="Marcador de contenido 2">
+            <a:extLst>
+              <a:ext uri="{FF2B5EF4-FFF2-40B4-BE49-F238E27FC236}">
+                <a16:creationId xmlns:a16="http://schemas.microsoft.com/office/drawing/2014/main" id="{3C0A7439-4199-4D0D-9E72-3C60F6779AAF}"/>
+              </a:ext>
+            </a:extLst>
+          </p:cNvPr>
+          <p:cNvSpPr>
+            <a:spLocks noGrp="1"/>
+          </p:cNvSpPr>
+          <p:nvPr>
+            <p:ph idx="1"/>
+          </p:nvPr>
+        </p:nvSpPr>
+        <p:spPr>
+          <a:xfrm>
+            <a:off x="1371600" y="1478943"/>
+            <a:ext cx="9601200" cy="4388457"/>
+          </a:xfrm>
+        </p:spPr>
+        <p:txBody>
+          <a:bodyPr/>
+          <a:lstStyle/>
+          <a:p>
+            <a:r>
+              <a:rPr lang="es-ES" dirty="0"/>
+              <a:t>Para ponernos en </a:t>
+            </a:r>
+            <a:r>
+              <a:rPr lang="es-ES" b="1" dirty="0"/>
+              <a:t>contexto</a:t>
+            </a:r>
+            <a:r>
+              <a:rPr lang="es-ES" dirty="0"/>
+              <a:t>, en los últimos meses ha habido cambios significativos en el precio de la luz en España, es decir, hace un año se paga a 30€/MWH, pero ahora está en torno a unos 140€/MWH. Esto se debe principalmente a dos motivos:</a:t>
+            </a:r>
+          </a:p>
+          <a:p>
+            <a:pPr lvl="1"/>
+            <a:r>
+              <a:rPr lang="es-ES" dirty="0"/>
+              <a:t>Aumento en el precio de los derechos de emisión en CO2.</a:t>
+            </a:r>
+          </a:p>
+          <a:p>
+            <a:pPr lvl="1"/>
+            <a:r>
+              <a:rPr lang="es-ES" dirty="0"/>
+              <a:t>Aumento en el precio del gas.</a:t>
+            </a:r>
+          </a:p>
+          <a:p>
+            <a:r>
+              <a:rPr lang="es-ES" dirty="0"/>
+              <a:t>La pregunta que busca responder esta visualización es, </a:t>
+            </a:r>
+            <a:r>
+              <a:rPr lang="es-ES" b="1" dirty="0"/>
+              <a:t>¿cómo ha evolucionado el precio de la luz en la última semana?</a:t>
+            </a:r>
+            <a:r>
+              <a:rPr lang="es-ES" dirty="0"/>
+              <a:t> O dicho de otra forma, </a:t>
+            </a:r>
+            <a:r>
+              <a:rPr lang="es-ES" b="1" dirty="0"/>
+              <a:t>¿cómo es la tendencia que sigue el precio de la luz?</a:t>
+            </a:r>
+          </a:p>
+          <a:p>
+            <a:r>
+              <a:rPr lang="es-ES" dirty="0"/>
+              <a:t>La pregunta que se busca responder es simple, pero tal y como veremos en el siguiente apartado no se ha resuelto de la mejor forma.</a:t>
+            </a:r>
+          </a:p>
+        </p:txBody>
+      </p:sp>
+    </p:spTree>
+    <p:extLst>
+      <p:ext uri="{BB962C8B-B14F-4D97-AF65-F5344CB8AC3E}">
+        <p14:creationId xmlns:p14="http://schemas.microsoft.com/office/powerpoint/2010/main" val="1905232333"/>
+      </p:ext>
+    </p:extLst>
+  </p:cSld>
+  <p:clrMapOvr>
+    <a:masterClrMapping/>
+  </p:clrMapOvr>
+</p:sld>
+</file>
+
+<file path=ppt/slides/slide5.xml><?xml version="1.0" encoding="utf-8"?>
+<p:sld xmlns:a="http://schemas.openxmlformats.org/drawingml/2006/main" xmlns:r="http://schemas.openxmlformats.org/officeDocument/2006/relationships" xmlns:p="http://schemas.openxmlformats.org/presentationml/2006/main">
+  <p:cSld>
+    <p:spTree>
+      <p:nvGrpSpPr>
+        <p:cNvPr id="1" name=""/>
+        <p:cNvGrpSpPr/>
+        <p:nvPr/>
+      </p:nvGrpSpPr>
+      <p:grpSpPr>
+        <a:xfrm>
+          <a:off x="0" y="0"/>
+          <a:ext cx="0" cy="0"/>
+          <a:chOff x="0" y="0"/>
+          <a:chExt cx="0" cy="0"/>
+        </a:xfrm>
+      </p:grpSpPr>
+      <p:sp>
+        <p:nvSpPr>
+          <p:cNvPr id="2" name="Título 1">
+            <a:extLst>
+              <a:ext uri="{FF2B5EF4-FFF2-40B4-BE49-F238E27FC236}">
+                <a16:creationId xmlns:a16="http://schemas.microsoft.com/office/drawing/2014/main" id="{3870C481-13D2-45F8-B157-3D39A5770EA1}"/>
+              </a:ext>
+            </a:extLst>
+          </p:cNvPr>
+          <p:cNvSpPr>
+            <a:spLocks noGrp="1"/>
+          </p:cNvSpPr>
+          <p:nvPr>
+            <p:ph type="title"/>
+          </p:nvPr>
+        </p:nvSpPr>
+        <p:spPr/>
+        <p:txBody>
+          <a:bodyPr/>
+          <a:lstStyle/>
+          <a:p>
+            <a:r>
+              <a:rPr lang="es-ES" dirty="0"/>
+              <a:t>¿Por qué se considera una mala visualización?</a:t>
+            </a:r>
+          </a:p>
+        </p:txBody>
+      </p:sp>
+      <p:sp>
+        <p:nvSpPr>
+          <p:cNvPr id="3" name="Marcador de contenido 2">
+            <a:extLst>
+              <a:ext uri="{FF2B5EF4-FFF2-40B4-BE49-F238E27FC236}">
+                <a16:creationId xmlns:a16="http://schemas.microsoft.com/office/drawing/2014/main" id="{6E6331C8-B900-49E3-AF23-955F8C6DC53D}"/>
+              </a:ext>
+            </a:extLst>
+          </p:cNvPr>
+          <p:cNvSpPr>
+            <a:spLocks noGrp="1"/>
+          </p:cNvSpPr>
+          <p:nvPr>
+            <p:ph idx="1"/>
+          </p:nvPr>
+        </p:nvSpPr>
+        <p:spPr>
+          <a:xfrm>
+            <a:off x="6607532" y="2171699"/>
+            <a:ext cx="5584467" cy="4356321"/>
+          </a:xfrm>
+        </p:spPr>
+        <p:txBody>
+          <a:bodyPr/>
+          <a:lstStyle/>
+          <a:p>
+            <a:r>
+              <a:rPr lang="es-ES" dirty="0"/>
+              <a:t>Al ser un gráfico estático no permite la interacción, no es negativo pero no nos permite extraer la información como queramos.</a:t>
+            </a:r>
+          </a:p>
+          <a:p>
+            <a:r>
+              <a:rPr lang="es-ES" dirty="0"/>
+              <a:t>No se cumple el principio de percepción.</a:t>
+            </a:r>
+          </a:p>
+          <a:p>
+            <a:r>
+              <a:rPr lang="es-ES" dirty="0"/>
+              <a:t>No se cumplen los aspectos estéticos. </a:t>
+            </a:r>
+          </a:p>
+          <a:p>
+            <a:r>
+              <a:rPr lang="es-ES" dirty="0"/>
+              <a:t>No se cumplen los objetivos de una buena visualización.</a:t>
+            </a:r>
+          </a:p>
+          <a:p>
+            <a:endParaRPr lang="es-ES" dirty="0"/>
+          </a:p>
+        </p:txBody>
+      </p:sp>
+      <p:pic>
+        <p:nvPicPr>
+          <p:cNvPr id="6" name="Marcador de contenido 4">
+            <a:extLst>
+              <a:ext uri="{FF2B5EF4-FFF2-40B4-BE49-F238E27FC236}">
+                <a16:creationId xmlns:a16="http://schemas.microsoft.com/office/drawing/2014/main" id="{ACADCEC6-018D-4FAE-8E94-04B0304286B8}"/>
+              </a:ext>
+            </a:extLst>
+          </p:cNvPr>
+          <p:cNvPicPr>
+            <a:picLocks noChangeAspect="1"/>
+          </p:cNvPicPr>
+          <p:nvPr/>
+        </p:nvPicPr>
+        <p:blipFill>
+          <a:blip r:embed="rId2"/>
+          <a:stretch>
+            <a:fillRect/>
+          </a:stretch>
+        </p:blipFill>
+        <p:spPr>
+          <a:xfrm>
+            <a:off x="1371601" y="2171701"/>
+            <a:ext cx="4989852" cy="2925086"/>
+          </a:xfrm>
+          <a:prstGeom prst="rect">
+            <a:avLst/>
+          </a:prstGeom>
+        </p:spPr>
+      </p:pic>
+    </p:spTree>
+    <p:extLst>
+      <p:ext uri="{BB962C8B-B14F-4D97-AF65-F5344CB8AC3E}">
+        <p14:creationId xmlns:p14="http://schemas.microsoft.com/office/powerpoint/2010/main" val="131198658"/>
+      </p:ext>
+    </p:extLst>
+  </p:cSld>
+  <p:clrMapOvr>
+    <a:masterClrMapping/>
+  </p:clrMapOvr>
+</p:sld>
+</file>
+
+<file path=ppt/slides/slide6.xml><?xml version="1.0" encoding="utf-8"?>
+<p:sld xmlns:a="http://schemas.openxmlformats.org/drawingml/2006/main" xmlns:r="http://schemas.openxmlformats.org/officeDocument/2006/relationships" xmlns:p="http://schemas.openxmlformats.org/presentationml/2006/main">
+  <p:cSld>
+    <p:spTree>
+      <p:nvGrpSpPr>
+        <p:cNvPr id="1" name=""/>
+        <p:cNvGrpSpPr/>
+        <p:nvPr/>
+      </p:nvGrpSpPr>
+      <p:grpSpPr>
+        <a:xfrm>
+          <a:off x="0" y="0"/>
+          <a:ext cx="0" cy="0"/>
+          <a:chOff x="0" y="0"/>
+          <a:chExt cx="0" cy="0"/>
+        </a:xfrm>
+      </p:grpSpPr>
+      <p:sp>
+        <p:nvSpPr>
+          <p:cNvPr id="2" name="Título 1">
+            <a:extLst>
+              <a:ext uri="{FF2B5EF4-FFF2-40B4-BE49-F238E27FC236}">
+                <a16:creationId xmlns:a16="http://schemas.microsoft.com/office/drawing/2014/main" id="{4873E25E-411B-4B76-B90A-1170B58BD90A}"/>
+              </a:ext>
+            </a:extLst>
+          </p:cNvPr>
+          <p:cNvSpPr>
+            <a:spLocks noGrp="1"/>
+          </p:cNvSpPr>
+          <p:nvPr>
+            <p:ph type="title"/>
+          </p:nvPr>
+        </p:nvSpPr>
+        <p:spPr/>
+        <p:txBody>
+          <a:bodyPr/>
+          <a:lstStyle/>
+          <a:p>
+            <a:r>
+              <a:rPr lang="es-ES" dirty="0"/>
+              <a:t>¿Por qué se considera una mala visualización?</a:t>
+            </a:r>
+          </a:p>
+        </p:txBody>
+      </p:sp>
+      <p:sp>
+        <p:nvSpPr>
+          <p:cNvPr id="3" name="Marcador de contenido 2">
+            <a:extLst>
+              <a:ext uri="{FF2B5EF4-FFF2-40B4-BE49-F238E27FC236}">
+                <a16:creationId xmlns:a16="http://schemas.microsoft.com/office/drawing/2014/main" id="{627A02F4-471B-4715-80A1-805116DD0A35}"/>
+              </a:ext>
+            </a:extLst>
+          </p:cNvPr>
+          <p:cNvSpPr>
+            <a:spLocks noGrp="1"/>
+          </p:cNvSpPr>
+          <p:nvPr>
+            <p:ph idx="1"/>
+          </p:nvPr>
+        </p:nvSpPr>
+        <p:spPr>
+          <a:xfrm>
+            <a:off x="1371600" y="2286000"/>
+            <a:ext cx="5426765" cy="3581400"/>
+          </a:xfrm>
+        </p:spPr>
+        <p:txBody>
+          <a:bodyPr>
+            <a:normAutofit fontScale="92500" lnSpcReduction="20000"/>
+          </a:bodyPr>
+          <a:lstStyle/>
+          <a:p>
+            <a:r>
+              <a:rPr lang="es-ES" b="1" dirty="0"/>
+              <a:t>El principio de percepción</a:t>
+            </a:r>
+            <a:r>
+              <a:rPr lang="es-ES" dirty="0"/>
+              <a:t>, busca saber qué aspectos a nivel visual y cognitivo se deben respetar. Según Stephen </a:t>
+            </a:r>
+            <a:r>
+              <a:rPr lang="es-ES" dirty="0" err="1"/>
+              <a:t>Few</a:t>
+            </a:r>
+            <a:r>
+              <a:rPr lang="es-ES" dirty="0"/>
+              <a:t>, una buena visualización:</a:t>
+            </a:r>
+          </a:p>
+          <a:p>
+            <a:pPr lvl="1"/>
+            <a:r>
+              <a:rPr lang="es-ES" i="0" dirty="0"/>
+              <a:t>Permite comparar unos valores con otros y también comparar cantidades. </a:t>
+            </a:r>
+          </a:p>
+          <a:p>
+            <a:pPr lvl="1"/>
+            <a:r>
+              <a:rPr lang="es-ES" i="0" dirty="0"/>
+              <a:t>Representa las cantidades de forma precisa. No se re</a:t>
+            </a:r>
+          </a:p>
+          <a:p>
+            <a:pPr lvl="1"/>
+            <a:r>
+              <a:rPr lang="es-ES" i="0" dirty="0"/>
+              <a:t>Hay un orden, según las cantidades/grupos identificar máximo y mínimos.</a:t>
+            </a:r>
+          </a:p>
+          <a:p>
+            <a:pPr lvl="1"/>
+            <a:r>
+              <a:rPr lang="es-ES" i="0" dirty="0"/>
+              <a:t>Deja claro el cómo debe usarse la visualización y cuáles son sus objetivos.</a:t>
+            </a:r>
+          </a:p>
+          <a:p>
+            <a:endParaRPr lang="es-ES" dirty="0"/>
+          </a:p>
+        </p:txBody>
+      </p:sp>
+      <p:pic>
+        <p:nvPicPr>
+          <p:cNvPr id="4" name="Marcador de contenido 4">
+            <a:extLst>
+              <a:ext uri="{FF2B5EF4-FFF2-40B4-BE49-F238E27FC236}">
+                <a16:creationId xmlns:a16="http://schemas.microsoft.com/office/drawing/2014/main" id="{A239C7A2-CBC4-4A00-975D-251505DFCFB5}"/>
+              </a:ext>
+            </a:extLst>
+          </p:cNvPr>
+          <p:cNvPicPr>
+            <a:picLocks noChangeAspect="1"/>
+          </p:cNvPicPr>
+          <p:nvPr/>
+        </p:nvPicPr>
+        <p:blipFill>
+          <a:blip r:embed="rId2"/>
+          <a:stretch>
+            <a:fillRect/>
+          </a:stretch>
+        </p:blipFill>
+        <p:spPr>
+          <a:xfrm>
+            <a:off x="6798365" y="2286000"/>
+            <a:ext cx="4989852" cy="2925086"/>
+          </a:xfrm>
+          <a:prstGeom prst="rect">
+            <a:avLst/>
+          </a:prstGeom>
+        </p:spPr>
+      </p:pic>
+    </p:spTree>
+    <p:extLst>
+      <p:ext uri="{BB962C8B-B14F-4D97-AF65-F5344CB8AC3E}">
+        <p14:creationId xmlns:p14="http://schemas.microsoft.com/office/powerpoint/2010/main" val="628062244"/>
+      </p:ext>
+    </p:extLst>
+  </p:cSld>
+  <p:clrMapOvr>
+    <a:masterClrMapping/>
+  </p:clrMapOvr>
+</p:sld>
+</file>
+
+<file path=ppt/slides/slide7.xml><?xml version="1.0" encoding="utf-8"?>
+<p:sld xmlns:a="http://schemas.openxmlformats.org/drawingml/2006/main" xmlns:r="http://schemas.openxmlformats.org/officeDocument/2006/relationships" xmlns:p="http://schemas.openxmlformats.org/presentationml/2006/main">
+  <p:cSld>
+    <p:spTree>
+      <p:nvGrpSpPr>
+        <p:cNvPr id="1" name=""/>
+        <p:cNvGrpSpPr/>
+        <p:nvPr/>
+      </p:nvGrpSpPr>
+      <p:grpSpPr>
+        <a:xfrm>
+          <a:off x="0" y="0"/>
+          <a:ext cx="0" cy="0"/>
+          <a:chOff x="0" y="0"/>
+          <a:chExt cx="0" cy="0"/>
+        </a:xfrm>
+      </p:grpSpPr>
+      <p:sp>
+        <p:nvSpPr>
+          <p:cNvPr id="2" name="Título 1">
+            <a:extLst>
+              <a:ext uri="{FF2B5EF4-FFF2-40B4-BE49-F238E27FC236}">
+                <a16:creationId xmlns:a16="http://schemas.microsoft.com/office/drawing/2014/main" id="{C0859EFA-9B25-4075-A654-F950C53418AF}"/>
+              </a:ext>
+            </a:extLst>
+          </p:cNvPr>
+          <p:cNvSpPr>
+            <a:spLocks noGrp="1"/>
+          </p:cNvSpPr>
+          <p:nvPr>
+            <p:ph type="title"/>
+          </p:nvPr>
+        </p:nvSpPr>
+        <p:spPr/>
+        <p:txBody>
+          <a:bodyPr/>
+          <a:lstStyle/>
+          <a:p>
+            <a:r>
+              <a:rPr lang="es-ES" dirty="0"/>
+              <a:t>¿Por qué se considera una mala visualización?</a:t>
+            </a:r>
+          </a:p>
+        </p:txBody>
+      </p:sp>
+      <p:sp>
+        <p:nvSpPr>
+          <p:cNvPr id="3" name="Marcador de contenido 2">
+            <a:extLst>
+              <a:ext uri="{FF2B5EF4-FFF2-40B4-BE49-F238E27FC236}">
+                <a16:creationId xmlns:a16="http://schemas.microsoft.com/office/drawing/2014/main" id="{DCABCB0B-1B70-4424-A06E-2A90372930ED}"/>
+              </a:ext>
+            </a:extLst>
+          </p:cNvPr>
+          <p:cNvSpPr>
+            <a:spLocks noGrp="1"/>
+          </p:cNvSpPr>
+          <p:nvPr>
+            <p:ph idx="1"/>
+          </p:nvPr>
+        </p:nvSpPr>
+        <p:spPr>
+          <a:xfrm>
+            <a:off x="6587656" y="2171700"/>
+            <a:ext cx="5076908" cy="3581400"/>
+          </a:xfrm>
+        </p:spPr>
+        <p:txBody>
+          <a:bodyPr/>
+          <a:lstStyle/>
+          <a:p>
+            <a:r>
+              <a:rPr lang="es-ES" dirty="0"/>
+              <a:t>Respecto a los aspectos estéticos:</a:t>
+            </a:r>
+          </a:p>
+          <a:p>
+            <a:pPr lvl="1"/>
+            <a:r>
+              <a:rPr lang="es-ES" i="0" dirty="0"/>
+              <a:t>Utilidad, busca que la visualización sea </a:t>
+            </a:r>
+            <a:r>
+              <a:rPr lang="es-ES" b="1" i="0" dirty="0"/>
+              <a:t>efectiva </a:t>
+            </a:r>
+            <a:r>
+              <a:rPr lang="es-ES" i="0" dirty="0"/>
+              <a:t>(aporte de información y tareas a ejecutar) y </a:t>
+            </a:r>
+            <a:r>
+              <a:rPr lang="es-ES" b="1" i="0" dirty="0"/>
+              <a:t>eficiente </a:t>
+            </a:r>
+            <a:r>
+              <a:rPr lang="es-ES" i="0" dirty="0"/>
+              <a:t>(coste).</a:t>
+            </a:r>
+          </a:p>
+          <a:p>
+            <a:pPr lvl="1"/>
+            <a:r>
+              <a:rPr lang="es-ES" i="0" dirty="0"/>
+              <a:t>Robustez, se centra en que la visualización sea resistente a errores.</a:t>
+            </a:r>
+          </a:p>
+          <a:p>
+            <a:pPr lvl="1"/>
+            <a:r>
+              <a:rPr lang="es-ES" i="0" dirty="0"/>
+              <a:t>Atractividad, busca la belleza en la visualización.</a:t>
+            </a:r>
+          </a:p>
+        </p:txBody>
+      </p:sp>
+      <p:pic>
+        <p:nvPicPr>
+          <p:cNvPr id="4" name="Marcador de contenido 4">
+            <a:extLst>
+              <a:ext uri="{FF2B5EF4-FFF2-40B4-BE49-F238E27FC236}">
+                <a16:creationId xmlns:a16="http://schemas.microsoft.com/office/drawing/2014/main" id="{E555723C-599A-459E-BB72-35371CD58334}"/>
+              </a:ext>
+            </a:extLst>
+          </p:cNvPr>
+          <p:cNvPicPr>
+            <a:picLocks noChangeAspect="1"/>
+          </p:cNvPicPr>
+          <p:nvPr/>
+        </p:nvPicPr>
+        <p:blipFill>
+          <a:blip r:embed="rId2"/>
+          <a:stretch>
+            <a:fillRect/>
+          </a:stretch>
+        </p:blipFill>
+        <p:spPr>
+          <a:xfrm>
+            <a:off x="1371600" y="2274073"/>
+            <a:ext cx="4989852" cy="2925086"/>
+          </a:xfrm>
+          <a:prstGeom prst="rect">
+            <a:avLst/>
+          </a:prstGeom>
+        </p:spPr>
+      </p:pic>
+    </p:spTree>
+    <p:extLst>
+      <p:ext uri="{BB962C8B-B14F-4D97-AF65-F5344CB8AC3E}">
+        <p14:creationId xmlns:p14="http://schemas.microsoft.com/office/powerpoint/2010/main" val="391458161"/>
+      </p:ext>
+    </p:extLst>
+  </p:cSld>
+  <p:clrMapOvr>
+    <a:masterClrMapping/>
+  </p:clrMapOvr>
+</p:sld>
+</file>
+
+<file path=ppt/slides/slide8.xml><?xml version="1.0" encoding="utf-8"?>
+<p:sld xmlns:a="http://schemas.openxmlformats.org/drawingml/2006/main" xmlns:r="http://schemas.openxmlformats.org/officeDocument/2006/relationships" xmlns:p="http://schemas.openxmlformats.org/presentationml/2006/main">
+  <p:cSld>
+    <p:spTree>
+      <p:nvGrpSpPr>
+        <p:cNvPr id="1" name=""/>
+        <p:cNvGrpSpPr/>
+        <p:nvPr/>
+      </p:nvGrpSpPr>
+      <p:grpSpPr>
+        <a:xfrm>
+          <a:off x="0" y="0"/>
+          <a:ext cx="0" cy="0"/>
+          <a:chOff x="0" y="0"/>
+          <a:chExt cx="0" cy="0"/>
+        </a:xfrm>
+      </p:grpSpPr>
+      <p:sp>
+        <p:nvSpPr>
+          <p:cNvPr id="2" name="Título 1">
+            <a:extLst>
+              <a:ext uri="{FF2B5EF4-FFF2-40B4-BE49-F238E27FC236}">
+                <a16:creationId xmlns:a16="http://schemas.microsoft.com/office/drawing/2014/main" id="{44CD0303-B6F0-4A77-8FDE-AD925F1D26C3}"/>
+              </a:ext>
+            </a:extLst>
+          </p:cNvPr>
+          <p:cNvSpPr>
+            <a:spLocks noGrp="1"/>
+          </p:cNvSpPr>
+          <p:nvPr>
+            <p:ph type="title"/>
+          </p:nvPr>
+        </p:nvSpPr>
+        <p:spPr/>
+        <p:txBody>
+          <a:bodyPr/>
+          <a:lstStyle/>
+          <a:p>
+            <a:r>
+              <a:rPr lang="es-ES" dirty="0"/>
+              <a:t>¿Por qué se considera una mala visualización?</a:t>
+            </a:r>
+          </a:p>
+        </p:txBody>
+      </p:sp>
+      <p:sp>
+        <p:nvSpPr>
+          <p:cNvPr id="3" name="Marcador de contenido 2">
+            <a:extLst>
+              <a:ext uri="{FF2B5EF4-FFF2-40B4-BE49-F238E27FC236}">
+                <a16:creationId xmlns:a16="http://schemas.microsoft.com/office/drawing/2014/main" id="{3C0D8B30-4C51-48B1-86BA-AD6B1B0C92C6}"/>
+              </a:ext>
+            </a:extLst>
+          </p:cNvPr>
+          <p:cNvSpPr>
+            <a:spLocks noGrp="1"/>
+          </p:cNvSpPr>
+          <p:nvPr>
+            <p:ph idx="1"/>
+          </p:nvPr>
+        </p:nvSpPr>
+        <p:spPr/>
+        <p:txBody>
+          <a:bodyPr/>
+          <a:lstStyle/>
+          <a:p>
+            <a:r>
+              <a:rPr lang="es-ES" dirty="0"/>
+              <a:t>En resumen, no se da una respuesta correcta a la pregunta “¿cómo evoluciona el precio de la luz?”, es decir, no se consigue comunicar de forma correcta el mensaje que se quiere transmitir.</a:t>
+            </a:r>
+          </a:p>
+          <a:p>
+            <a:r>
+              <a:rPr lang="es-ES" i="0" dirty="0"/>
+              <a:t>Por lo tanto, en el siguiente punto vamos a solucionar dichos problemas.</a:t>
+            </a:r>
+          </a:p>
+        </p:txBody>
+      </p:sp>
+    </p:spTree>
+    <p:extLst>
+      <p:ext uri="{BB962C8B-B14F-4D97-AF65-F5344CB8AC3E}">
+        <p14:creationId xmlns:p14="http://schemas.microsoft.com/office/powerpoint/2010/main" val="3669305232"/>
+      </p:ext>
+    </p:extLst>
+  </p:cSld>
+  <p:clrMapOvr>
+    <a:masterClrMapping/>
+  </p:clrMapOvr>
+</p:sld>
+</file>
+
+<file path=ppt/slides/slide9.xml><?xml version="1.0" encoding="utf-8"?>
+<p:sld xmlns:a="http://schemas.openxmlformats.org/drawingml/2006/main" xmlns:r="http://schemas.openxmlformats.org/officeDocument/2006/relationships" xmlns:p="http://schemas.openxmlformats.org/presentationml/2006/main">
+  <p:cSld>
+    <p:spTree>
+      <p:nvGrpSpPr>
+        <p:cNvPr id="1" name=""/>
+        <p:cNvGrpSpPr/>
+        <p:nvPr/>
+      </p:nvGrpSpPr>
+      <p:grpSpPr>
+        <a:xfrm>
+          <a:off x="0" y="0"/>
+          <a:ext cx="0" cy="0"/>
+          <a:chOff x="0" y="0"/>
+          <a:chExt cx="0" cy="0"/>
+        </a:xfrm>
+      </p:grpSpPr>
+      <p:sp>
+        <p:nvSpPr>
+          <p:cNvPr id="2" name="Título 1">
+            <a:extLst>
+              <a:ext uri="{FF2B5EF4-FFF2-40B4-BE49-F238E27FC236}">
+                <a16:creationId xmlns:a16="http://schemas.microsoft.com/office/drawing/2014/main" id="{10065601-9787-4A08-B533-271852F31296}"/>
+              </a:ext>
+            </a:extLst>
+          </p:cNvPr>
+          <p:cNvSpPr>
+            <a:spLocks noGrp="1"/>
+          </p:cNvSpPr>
+          <p:nvPr>
+            <p:ph type="title"/>
+          </p:nvPr>
+        </p:nvSpPr>
+        <p:spPr>
+          <a:xfrm>
+            <a:off x="1371600" y="685800"/>
+            <a:ext cx="9601200" cy="650019"/>
+          </a:xfrm>
+        </p:spPr>
+        <p:txBody>
+          <a:bodyPr>
+            <a:normAutofit fontScale="90000"/>
+          </a:bodyPr>
+          <a:lstStyle/>
+          <a:p>
+            <a:r>
+              <a:rPr lang="es-ES" dirty="0"/>
+              <a:t>Rediseño</a:t>
+            </a:r>
+          </a:p>
+        </p:txBody>
+      </p:sp>
+      <p:sp>
+        <p:nvSpPr>
+          <p:cNvPr id="3" name="Marcador de contenido 2">
+            <a:extLst>
+              <a:ext uri="{FF2B5EF4-FFF2-40B4-BE49-F238E27FC236}">
+                <a16:creationId xmlns:a16="http://schemas.microsoft.com/office/drawing/2014/main" id="{5615C4F0-E4CE-4C62-9F6C-3198E3854A8F}"/>
+              </a:ext>
+            </a:extLst>
+          </p:cNvPr>
+          <p:cNvSpPr>
+            <a:spLocks noGrp="1"/>
+          </p:cNvSpPr>
+          <p:nvPr>
+            <p:ph idx="1"/>
+          </p:nvPr>
+        </p:nvSpPr>
+        <p:spPr>
+          <a:xfrm>
+            <a:off x="1371600" y="1335819"/>
+            <a:ext cx="9601200" cy="4531581"/>
+          </a:xfrm>
+        </p:spPr>
+        <p:txBody>
+          <a:bodyPr/>
+          <a:lstStyle/>
+          <a:p>
+            <a:r>
+              <a:rPr lang="es-ES" dirty="0"/>
+              <a:t>Vamos a mejorar el diseño de esta visualización de la siguiente forma:</a:t>
+            </a:r>
+          </a:p>
+          <a:p>
+            <a:pPr lvl="1"/>
+            <a:r>
+              <a:rPr lang="es-ES" i="0" dirty="0"/>
+              <a:t>Situamos cada punto de forma correcta y asociados al eje y, es decir, al precio por kilovatio hora.</a:t>
+            </a:r>
+          </a:p>
+          <a:p>
+            <a:pPr lvl="1"/>
+            <a:r>
+              <a:rPr lang="es-ES" i="0" dirty="0"/>
+              <a:t>Añadimos las unidades al eje de la y (€/KWH).</a:t>
+            </a:r>
+          </a:p>
+          <a:p>
+            <a:pPr lvl="1"/>
+            <a:r>
+              <a:rPr lang="es-ES" i="0" dirty="0"/>
+              <a:t>Escalamos de forma correcta el eje de la y para apreciar la diferencia.</a:t>
+            </a:r>
+          </a:p>
+          <a:p>
+            <a:pPr lvl="1"/>
+            <a:r>
+              <a:rPr lang="es-ES" i="0" dirty="0"/>
+              <a:t>Eliminamos del eje de las x el mes de agosto y añadimos la unidad día.</a:t>
+            </a:r>
+          </a:p>
+          <a:p>
+            <a:pPr lvl="1"/>
+            <a:r>
+              <a:rPr lang="es-ES" i="0" dirty="0"/>
+              <a:t>Añadimos los días 4 y 5 de septiembre al gráfico, con sus correspondientes valores.</a:t>
+            </a:r>
+          </a:p>
+        </p:txBody>
+      </p:sp>
+    </p:spTree>
+    <p:extLst>
+      <p:ext uri="{BB962C8B-B14F-4D97-AF65-F5344CB8AC3E}">
+        <p14:creationId xmlns:p14="http://schemas.microsoft.com/office/powerpoint/2010/main" val="2275508869"/>
+      </p:ext>
+    </p:extLst>
+  </p:cSld>
+  <p:clrMapOvr>
+    <a:masterClrMapping/>
+  </p:clrMapOvr>
+</p:sld>
+</file>
+
 <file path=ppt/theme/theme1.xml><?xml version="1.0" encoding="utf-8"?>
 <a:theme xmlns:a="http://schemas.openxmlformats.org/drawingml/2006/main" name="Recorte">
   <a:themeElements>

--- a/2021-22/PrimerSemestre/Visualizacion/MalaPractica.pptx
+++ b/2021-22/PrimerSemestre/Visualizacion/MalaPractica.pptx
@@ -304,7 +304,7 @@
             <a:fld id="{87DE6118-2437-4B30-8E3C-4D2BE6020583}" type="datetimeFigureOut">
               <a:rPr lang="en-US" dirty="0"/>
               <a:pPr/>
-              <a:t>10/15/2021</a:t>
+              <a:t>10/16/2021</a:t>
             </a:fld>
             <a:endParaRPr lang="en-US" dirty="0"/>
           </a:p>
@@ -630,7 +630,7 @@
           <a:p>
             <a:fld id="{87DE6118-2437-4B30-8E3C-4D2BE6020583}" type="datetimeFigureOut">
               <a:rPr lang="en-US" dirty="0"/>
-              <a:t>10/15/2021</a:t>
+              <a:t>10/16/2021</a:t>
             </a:fld>
             <a:endParaRPr lang="en-US" dirty="0"/>
           </a:p>
@@ -805,7 +805,7 @@
           <a:p>
             <a:fld id="{87DE6118-2437-4B30-8E3C-4D2BE6020583}" type="datetimeFigureOut">
               <a:rPr lang="en-US" dirty="0"/>
-              <a:t>10/15/2021</a:t>
+              <a:t>10/16/2021</a:t>
             </a:fld>
             <a:endParaRPr lang="en-US" dirty="0"/>
           </a:p>
@@ -970,7 +970,7 @@
           <a:p>
             <a:fld id="{87DE6118-2437-4B30-8E3C-4D2BE6020583}" type="datetimeFigureOut">
               <a:rPr lang="en-US" dirty="0"/>
-              <a:t>10/15/2021</a:t>
+              <a:t>10/16/2021</a:t>
             </a:fld>
             <a:endParaRPr lang="en-US" dirty="0"/>
           </a:p>
@@ -1243,7 +1243,7 @@
             <a:fld id="{87DE6118-2437-4B30-8E3C-4D2BE6020583}" type="datetimeFigureOut">
               <a:rPr lang="en-US" dirty="0"/>
               <a:pPr/>
-              <a:t>10/15/2021</a:t>
+              <a:t>10/16/2021</a:t>
             </a:fld>
             <a:endParaRPr lang="en-US" dirty="0"/>
           </a:p>
@@ -1633,7 +1633,7 @@
           <a:p>
             <a:fld id="{87DE6118-2437-4B30-8E3C-4D2BE6020583}" type="datetimeFigureOut">
               <a:rPr lang="en-US" dirty="0"/>
-              <a:t>10/15/2021</a:t>
+              <a:t>10/16/2021</a:t>
             </a:fld>
             <a:endParaRPr lang="en-US" dirty="0"/>
           </a:p>
@@ -2105,7 +2105,7 @@
           <a:p>
             <a:fld id="{87DE6118-2437-4B30-8E3C-4D2BE6020583}" type="datetimeFigureOut">
               <a:rPr lang="en-US" dirty="0"/>
-              <a:t>10/15/2021</a:t>
+              <a:t>10/16/2021</a:t>
             </a:fld>
             <a:endParaRPr lang="en-US" dirty="0"/>
           </a:p>
@@ -2218,7 +2218,7 @@
           <a:p>
             <a:fld id="{87DE6118-2437-4B30-8E3C-4D2BE6020583}" type="datetimeFigureOut">
               <a:rPr lang="en-US" dirty="0"/>
-              <a:t>10/15/2021</a:t>
+              <a:t>10/16/2021</a:t>
             </a:fld>
             <a:endParaRPr lang="en-US" dirty="0"/>
           </a:p>
@@ -2308,7 +2308,7 @@
           <a:p>
             <a:fld id="{87DE6118-2437-4B30-8E3C-4D2BE6020583}" type="datetimeFigureOut">
               <a:rPr lang="en-US" dirty="0"/>
-              <a:t>10/15/2021</a:t>
+              <a:t>10/16/2021</a:t>
             </a:fld>
             <a:endParaRPr lang="en-US" dirty="0"/>
           </a:p>
@@ -2650,7 +2650,7 @@
             <a:fld id="{87DE6118-2437-4B30-8E3C-4D2BE6020583}" type="datetimeFigureOut">
               <a:rPr lang="en-US" dirty="0"/>
               <a:pPr/>
-              <a:t>10/15/2021</a:t>
+              <a:t>10/16/2021</a:t>
             </a:fld>
             <a:endParaRPr lang="en-US" dirty="0"/>
           </a:p>
@@ -3035,7 +3035,7 @@
             <a:fld id="{87DE6118-2437-4B30-8E3C-4D2BE6020583}" type="datetimeFigureOut">
               <a:rPr lang="en-US" dirty="0"/>
               <a:pPr/>
-              <a:t>10/15/2021</a:t>
+              <a:t>10/16/2021</a:t>
             </a:fld>
             <a:endParaRPr lang="en-US" dirty="0"/>
           </a:p>
@@ -3310,7 +3310,7 @@
             <a:fld id="{87DE6118-2437-4B30-8E3C-4D2BE6020583}" type="datetimeFigureOut">
               <a:rPr lang="en-US" dirty="0"/>
               <a:pPr/>
-              <a:t>10/15/2021</a:t>
+              <a:t>10/16/2021</a:t>
             </a:fld>
             <a:endParaRPr lang="en-US" dirty="0"/>
           </a:p>
@@ -4157,8 +4157,12 @@
           <a:lstStyle/>
           <a:p>
             <a:r>
+              <a:rPr lang="es-ES"/>
+              <a:t>La </a:t>
+            </a:r>
+            <a:r>
               <a:rPr lang="es-ES" dirty="0"/>
-              <a:t>Datos sobre la visualización</a:t>
+              <a:t>visualización</a:t>
             </a:r>
           </a:p>
         </p:txBody>
@@ -4847,7 +4851,7 @@
             <a:pPr lvl="1"/>
             <a:r>
               <a:rPr lang="es-ES" i="0" dirty="0"/>
-              <a:t>Representa las cantidades de forma precisa. No se re</a:t>
+              <a:t>Representa las cantidades de forma precisa. </a:t>
             </a:r>
           </a:p>
           <a:p>
@@ -4861,7 +4865,7 @@
             <a:pPr lvl="1"/>
             <a:r>
               <a:rPr lang="es-ES" i="0" dirty="0"/>
-              <a:t>Deja claro el cómo debe usarse la visualización y cuáles son sus objetivos.</a:t>
+              <a:t>No deja claro el cómo debe usarse la visualización.</a:t>
             </a:r>
           </a:p>
           <a:p>
